--- a/text/0528大湾区超构材料与微纳光学研讨会-YX.pptx
+++ b/text/0528大湾区超构材料与微纳光学研讨会-YX.pptx
@@ -5,7 +5,7 @@
     <p:sldMasterId id="2147483648" r:id="rId1"/>
   </p:sldMasterIdLst>
   <p:notesMasterIdLst>
-    <p:notesMasterId r:id="rId11"/>
+    <p:notesMasterId r:id="rId12"/>
   </p:notesMasterIdLst>
   <p:sldIdLst>
     <p:sldId id="257" r:id="rId2"/>
@@ -16,7 +16,8 @@
     <p:sldId id="288" r:id="rId7"/>
     <p:sldId id="289" r:id="rId8"/>
     <p:sldId id="291" r:id="rId9"/>
-    <p:sldId id="292" r:id="rId10"/>
+    <p:sldId id="293" r:id="rId10"/>
+    <p:sldId id="292" r:id="rId11"/>
   </p:sldIdLst>
   <p:sldSz cx="9144000" cy="6858000" type="screen4x3"/>
   <p:notesSz cx="6858000" cy="9144000"/>
@@ -962,6 +963,91 @@
     <p:extLst>
       <p:ext uri="{BB962C8B-B14F-4D97-AF65-F5344CB8AC3E}">
         <p14:creationId xmlns:p14="http://schemas.microsoft.com/office/powerpoint/2010/main" val="812035592"/>
+      </p:ext>
+    </p:extLst>
+  </p:cSld>
+  <p:clrMapOvr>
+    <a:masterClrMapping/>
+  </p:clrMapOvr>
+</p:notes>
+</file>
+
+<file path=ppt/notesSlides/notesSlide7.xml><?xml version="1.0" encoding="utf-8"?>
+<p:notes xmlns:a="http://schemas.openxmlformats.org/drawingml/2006/main" xmlns:r="http://schemas.openxmlformats.org/officeDocument/2006/relationships" xmlns:p="http://schemas.openxmlformats.org/presentationml/2006/main">
+  <p:cSld>
+    <p:spTree>
+      <p:nvGrpSpPr>
+        <p:cNvPr id="1" name=""/>
+        <p:cNvGrpSpPr/>
+        <p:nvPr/>
+      </p:nvGrpSpPr>
+      <p:grpSpPr>
+        <a:xfrm>
+          <a:off x="0" y="0"/>
+          <a:ext cx="0" cy="0"/>
+          <a:chOff x="0" y="0"/>
+          <a:chExt cx="0" cy="0"/>
+        </a:xfrm>
+      </p:grpSpPr>
+      <p:sp>
+        <p:nvSpPr>
+          <p:cNvPr id="2" name="幻灯片图像占位符 1"/>
+          <p:cNvSpPr>
+            <a:spLocks noGrp="1" noRot="1" noChangeAspect="1"/>
+          </p:cNvSpPr>
+          <p:nvPr>
+            <p:ph type="sldImg"/>
+          </p:nvPr>
+        </p:nvSpPr>
+        <p:spPr/>
+      </p:sp>
+      <p:sp>
+        <p:nvSpPr>
+          <p:cNvPr id="3" name="备注占位符 2"/>
+          <p:cNvSpPr>
+            <a:spLocks noGrp="1"/>
+          </p:cNvSpPr>
+          <p:nvPr>
+            <p:ph type="body" idx="1"/>
+          </p:nvPr>
+        </p:nvSpPr>
+        <p:spPr/>
+        <p:txBody>
+          <a:bodyPr/>
+          <a:lstStyle/>
+          <a:p>
+            <a:endParaRPr lang="zh-CN" altLang="en-US" dirty="0"/>
+          </a:p>
+        </p:txBody>
+      </p:sp>
+      <p:sp>
+        <p:nvSpPr>
+          <p:cNvPr id="4" name="灯片编号占位符 3"/>
+          <p:cNvSpPr>
+            <a:spLocks noGrp="1"/>
+          </p:cNvSpPr>
+          <p:nvPr>
+            <p:ph type="sldNum" sz="quarter" idx="10"/>
+          </p:nvPr>
+        </p:nvSpPr>
+        <p:spPr/>
+        <p:txBody>
+          <a:bodyPr/>
+          <a:lstStyle/>
+          <a:p>
+            <a:fld id="{16D7ACB7-2DBB-4481-8823-4569647842CE}" type="slidenum">
+              <a:rPr lang="zh-CN" altLang="en-US" smtClean="0"/>
+              <a:pPr/>
+              <a:t>9</a:t>
+            </a:fld>
+            <a:endParaRPr lang="zh-CN" altLang="en-US"/>
+          </a:p>
+        </p:txBody>
+      </p:sp>
+    </p:spTree>
+    <p:extLst>
+      <p:ext uri="{BB962C8B-B14F-4D97-AF65-F5344CB8AC3E}">
+        <p14:creationId xmlns:p14="http://schemas.microsoft.com/office/powerpoint/2010/main" val="3958938805"/>
       </p:ext>
     </p:extLst>
   </p:cSld>
@@ -15618,6 +15704,98 @@
   <p:clrMapOvr>
     <a:masterClrMapping/>
   </p:clrMapOvr>
+  <p:timing>
+    <p:tnLst>
+      <p:par>
+        <p:cTn id="1" dur="indefinite" restart="never" nodeType="tmRoot"/>
+      </p:par>
+    </p:tnLst>
+  </p:timing>
+</p:sld>
+</file>
+
+<file path=ppt/slides/slide10.xml><?xml version="1.0" encoding="utf-8"?>
+<p:sld xmlns:a="http://schemas.openxmlformats.org/drawingml/2006/main" xmlns:r="http://schemas.openxmlformats.org/officeDocument/2006/relationships" xmlns:p="http://schemas.openxmlformats.org/presentationml/2006/main">
+  <p:cSld>
+    <p:spTree>
+      <p:nvGrpSpPr>
+        <p:cNvPr id="1" name=""/>
+        <p:cNvGrpSpPr/>
+        <p:nvPr/>
+      </p:nvGrpSpPr>
+      <p:grpSpPr>
+        <a:xfrm>
+          <a:off x="0" y="0"/>
+          <a:ext cx="0" cy="0"/>
+          <a:chOff x="0" y="0"/>
+          <a:chExt cx="0" cy="0"/>
+        </a:xfrm>
+      </p:grpSpPr>
+      <p:sp>
+        <p:nvSpPr>
+          <p:cNvPr id="2" name="Content Placeholder 1"/>
+          <p:cNvSpPr>
+            <a:spLocks noGrp="1"/>
+          </p:cNvSpPr>
+          <p:nvPr>
+            <p:ph idx="1"/>
+          </p:nvPr>
+        </p:nvSpPr>
+        <p:spPr/>
+        <p:txBody>
+          <a:bodyPr/>
+          <a:lstStyle/>
+          <a:p>
+            <a:r>
+              <a:rPr lang="en-HK" dirty="0" smtClean="0"/>
+              <a:t>Update participant list (include the journalists)</a:t>
+            </a:r>
+          </a:p>
+          <a:p>
+            <a:r>
+              <a:rPr lang="en-HK" dirty="0" smtClean="0"/>
+              <a:t>Add a “supporting journal”: Advanced photonics</a:t>
+            </a:r>
+            <a:endParaRPr lang="en-HK" dirty="0"/>
+          </a:p>
+        </p:txBody>
+      </p:sp>
+      <p:sp>
+        <p:nvSpPr>
+          <p:cNvPr id="3" name="Title 2"/>
+          <p:cNvSpPr>
+            <a:spLocks noGrp="1"/>
+          </p:cNvSpPr>
+          <p:nvPr>
+            <p:ph type="title"/>
+          </p:nvPr>
+        </p:nvSpPr>
+        <p:spPr/>
+        <p:txBody>
+          <a:bodyPr/>
+          <a:lstStyle/>
+          <a:p>
+            <a:endParaRPr lang="en-HK"/>
+          </a:p>
+        </p:txBody>
+      </p:sp>
+    </p:spTree>
+    <p:extLst>
+      <p:ext uri="{BB962C8B-B14F-4D97-AF65-F5344CB8AC3E}">
+        <p14:creationId xmlns:p14="http://schemas.microsoft.com/office/powerpoint/2010/main" val="3064686646"/>
+      </p:ext>
+    </p:extLst>
+  </p:cSld>
+  <p:clrMapOvr>
+    <a:masterClrMapping/>
+  </p:clrMapOvr>
+  <p:timing>
+    <p:tnLst>
+      <p:par>
+        <p:cTn id="1" dur="indefinite" restart="never" nodeType="tmRoot"/>
+      </p:par>
+    </p:tnLst>
+  </p:timing>
 </p:sld>
 </file>
 
@@ -16468,6 +16646,13 @@
   <p:clrMapOvr>
     <a:masterClrMapping/>
   </p:clrMapOvr>
+  <p:timing>
+    <p:tnLst>
+      <p:par>
+        <p:cTn id="1" dur="indefinite" restart="never" nodeType="tmRoot"/>
+      </p:par>
+    </p:tnLst>
+  </p:timing>
 </p:sld>
 </file>
 
@@ -16576,21 +16761,21 @@
                 <a:gridCol w="2180823">
                   <a:extLst>
                     <a:ext uri="{9D8B030D-6E8A-4147-A177-3AD203B41FA5}">
-                      <a16:colId xmlns:a16="http://schemas.microsoft.com/office/drawing/2014/main" xmlns="" val="20000"/>
+                      <a16:colId xmlns="" xmlns:a16="http://schemas.microsoft.com/office/drawing/2014/main" val="20000"/>
                     </a:ext>
                   </a:extLst>
                 </a:gridCol>
                 <a:gridCol w="1940417">
                   <a:extLst>
                     <a:ext uri="{9D8B030D-6E8A-4147-A177-3AD203B41FA5}">
-                      <a16:colId xmlns:a16="http://schemas.microsoft.com/office/drawing/2014/main" xmlns="" val="20001"/>
+                      <a16:colId xmlns="" xmlns:a16="http://schemas.microsoft.com/office/drawing/2014/main" val="20001"/>
                     </a:ext>
                   </a:extLst>
                 </a:gridCol>
                 <a:gridCol w="4350688">
                   <a:extLst>
                     <a:ext uri="{9D8B030D-6E8A-4147-A177-3AD203B41FA5}">
-                      <a16:colId xmlns:a16="http://schemas.microsoft.com/office/drawing/2014/main" xmlns="" val="20002"/>
+                      <a16:colId xmlns="" xmlns:a16="http://schemas.microsoft.com/office/drawing/2014/main" val="20002"/>
                     </a:ext>
                   </a:extLst>
                 </a:gridCol>
@@ -16643,7 +16828,7 @@
                 </a:tc>
                 <a:extLst>
                   <a:ext uri="{0D108BD9-81ED-4DB2-BD59-A6C34878D82A}">
-                    <a16:rowId xmlns:a16="http://schemas.microsoft.com/office/drawing/2014/main" xmlns="" val="10000"/>
+                    <a16:rowId xmlns="" xmlns:a16="http://schemas.microsoft.com/office/drawing/2014/main" val="10000"/>
                   </a:ext>
                 </a:extLst>
               </a:tr>
@@ -16771,7 +16956,7 @@
                 </a:tc>
                 <a:extLst>
                   <a:ext uri="{0D108BD9-81ED-4DB2-BD59-A6C34878D82A}">
-                    <a16:rowId xmlns:a16="http://schemas.microsoft.com/office/drawing/2014/main" xmlns="" val="10001"/>
+                    <a16:rowId xmlns="" xmlns:a16="http://schemas.microsoft.com/office/drawing/2014/main" val="10001"/>
                   </a:ext>
                 </a:extLst>
               </a:tr>
@@ -16969,7 +17154,7 @@
                 </a:tc>
                 <a:extLst>
                   <a:ext uri="{0D108BD9-81ED-4DB2-BD59-A6C34878D82A}">
-                    <a16:rowId xmlns:a16="http://schemas.microsoft.com/office/drawing/2014/main" xmlns="" val="10002"/>
+                    <a16:rowId xmlns="" xmlns:a16="http://schemas.microsoft.com/office/drawing/2014/main" val="10002"/>
                   </a:ext>
                 </a:extLst>
               </a:tr>
@@ -17141,7 +17326,7 @@
                 </a:tc>
                 <a:extLst>
                   <a:ext uri="{0D108BD9-81ED-4DB2-BD59-A6C34878D82A}">
-                    <a16:rowId xmlns:a16="http://schemas.microsoft.com/office/drawing/2014/main" xmlns="" val="10003"/>
+                    <a16:rowId xmlns="" xmlns:a16="http://schemas.microsoft.com/office/drawing/2014/main" val="10003"/>
                   </a:ext>
                 </a:extLst>
               </a:tr>
@@ -17211,14 +17396,6 @@
                         </a:rPr>
                         <a:t>)</a:t>
                       </a:r>
-                      <a:endParaRPr lang="en-US" altLang="zh-CN" sz="900" b="1" kern="1200" dirty="0" smtClean="0">
-                        <a:solidFill>
-                          <a:schemeClr val="dk1"/>
-                        </a:solidFill>
-                        <a:latin typeface="微软雅黑" panose="020B0503020204020204" pitchFamily="34" charset="-122"/>
-                        <a:ea typeface="微软雅黑" panose="020B0503020204020204" pitchFamily="34" charset="-122"/>
-                        <a:cs typeface="+mn-cs"/>
-                      </a:endParaRPr>
                     </a:p>
                   </a:txBody>
                   <a:tcPr marL="110604" marR="110604" marT="28714" marB="28714" anchor="ctr"/>
@@ -17372,7 +17549,7 @@
                 </a:tc>
                 <a:extLst>
                   <a:ext uri="{0D108BD9-81ED-4DB2-BD59-A6C34878D82A}">
-                    <a16:rowId xmlns:a16="http://schemas.microsoft.com/office/drawing/2014/main" xmlns="" val="10004"/>
+                    <a16:rowId xmlns="" xmlns:a16="http://schemas.microsoft.com/office/drawing/2014/main" val="10004"/>
                   </a:ext>
                 </a:extLst>
               </a:tr>
@@ -17500,7 +17677,7 @@
                 </a:tc>
                 <a:extLst>
                   <a:ext uri="{0D108BD9-81ED-4DB2-BD59-A6C34878D82A}">
-                    <a16:rowId xmlns:a16="http://schemas.microsoft.com/office/drawing/2014/main" xmlns="" val="10005"/>
+                    <a16:rowId xmlns="" xmlns:a16="http://schemas.microsoft.com/office/drawing/2014/main" val="10005"/>
                   </a:ext>
                 </a:extLst>
               </a:tr>
@@ -17694,7 +17871,7 @@
                 </a:tc>
                 <a:extLst>
                   <a:ext uri="{0D108BD9-81ED-4DB2-BD59-A6C34878D82A}">
-                    <a16:rowId xmlns:a16="http://schemas.microsoft.com/office/drawing/2014/main" xmlns="" val="10006"/>
+                    <a16:rowId xmlns="" xmlns:a16="http://schemas.microsoft.com/office/drawing/2014/main" val="10006"/>
                   </a:ext>
                 </a:extLst>
               </a:tr>
@@ -17921,7 +18098,7 @@
                 </a:tc>
                 <a:extLst>
                   <a:ext uri="{0D108BD9-81ED-4DB2-BD59-A6C34878D82A}">
-                    <a16:rowId xmlns:a16="http://schemas.microsoft.com/office/drawing/2014/main" xmlns="" val="10007"/>
+                    <a16:rowId xmlns="" xmlns:a16="http://schemas.microsoft.com/office/drawing/2014/main" val="10007"/>
                   </a:ext>
                 </a:extLst>
               </a:tr>
@@ -18104,7 +18281,7 @@
                 </a:tc>
                 <a:extLst>
                   <a:ext uri="{0D108BD9-81ED-4DB2-BD59-A6C34878D82A}">
-                    <a16:rowId xmlns:a16="http://schemas.microsoft.com/office/drawing/2014/main" xmlns="" val="10008"/>
+                    <a16:rowId xmlns="" xmlns:a16="http://schemas.microsoft.com/office/drawing/2014/main" val="10008"/>
                   </a:ext>
                 </a:extLst>
               </a:tr>
@@ -18271,18 +18448,7 @@
                           <a:ea typeface="微软雅黑" panose="020B0503020204020204" pitchFamily="34" charset="-122"/>
                           <a:cs typeface="+mn-cs"/>
                         </a:rPr>
-                        <a:t> based highly-sensitive optical </a:t>
-                      </a:r>
-                      <a:r>
-                        <a:rPr lang="en-US" altLang="zh-CN" sz="900" b="1" kern="1200" dirty="0" smtClean="0">
-                          <a:solidFill>
-                            <a:schemeClr val="dk1"/>
-                          </a:solidFill>
-                          <a:latin typeface="微软雅黑" panose="020B0503020204020204" pitchFamily="34" charset="-122"/>
-                          <a:ea typeface="微软雅黑" panose="020B0503020204020204" pitchFamily="34" charset="-122"/>
-                          <a:cs typeface="+mn-cs"/>
-                        </a:rPr>
-                        <a:t>sensors</a:t>
+                        <a:t> based highly-sensitive optical sensors</a:t>
                       </a:r>
                       <a:endParaRPr lang="zh-CN" altLang="en-US" sz="900" b="1" kern="1200" dirty="0">
                         <a:solidFill>
@@ -18298,7 +18464,7 @@
                 </a:tc>
                 <a:extLst>
                   <a:ext uri="{0D108BD9-81ED-4DB2-BD59-A6C34878D82A}">
-                    <a16:rowId xmlns:a16="http://schemas.microsoft.com/office/drawing/2014/main" xmlns="" val="10009"/>
+                    <a16:rowId xmlns="" xmlns:a16="http://schemas.microsoft.com/office/drawing/2014/main" val="10009"/>
                   </a:ext>
                 </a:extLst>
               </a:tr>
@@ -18369,7 +18535,7 @@
                 </a:tc>
                 <a:extLst>
                   <a:ext uri="{0D108BD9-81ED-4DB2-BD59-A6C34878D82A}">
-                    <a16:rowId xmlns:a16="http://schemas.microsoft.com/office/drawing/2014/main" xmlns="" val="10010"/>
+                    <a16:rowId xmlns="" xmlns:a16="http://schemas.microsoft.com/office/drawing/2014/main" val="10010"/>
                   </a:ext>
                 </a:extLst>
               </a:tr>
@@ -18640,7 +18806,7 @@
                 </a:tc>
                 <a:extLst>
                   <a:ext uri="{0D108BD9-81ED-4DB2-BD59-A6C34878D82A}">
-                    <a16:rowId xmlns:a16="http://schemas.microsoft.com/office/drawing/2014/main" xmlns="" val="10011"/>
+                    <a16:rowId xmlns="" xmlns:a16="http://schemas.microsoft.com/office/drawing/2014/main" val="10011"/>
                   </a:ext>
                 </a:extLst>
               </a:tr>
@@ -18812,7 +18978,7 @@
                 </a:tc>
                 <a:extLst>
                   <a:ext uri="{0D108BD9-81ED-4DB2-BD59-A6C34878D82A}">
-                    <a16:rowId xmlns:a16="http://schemas.microsoft.com/office/drawing/2014/main" xmlns="" val="10012"/>
+                    <a16:rowId xmlns="" xmlns:a16="http://schemas.microsoft.com/office/drawing/2014/main" val="10012"/>
                   </a:ext>
                 </a:extLst>
               </a:tr>
@@ -18985,18 +19151,7 @@
                           <a:ea typeface="微软雅黑" panose="020B0503020204020204" pitchFamily="34" charset="-122"/>
                           <a:cs typeface="+mn-cs"/>
                         </a:rPr>
-                        <a:t>Arbitrary Electromagnetic Wave Manipulation with a Huygens’ </a:t>
-                      </a:r>
-                      <a:r>
-                        <a:rPr lang="en-US" altLang="zh-CN" sz="900" b="1" kern="1200" dirty="0" smtClean="0">
-                          <a:solidFill>
-                            <a:schemeClr val="dk1"/>
-                          </a:solidFill>
-                          <a:latin typeface="微软雅黑" panose="020B0503020204020204" pitchFamily="34" charset="-122"/>
-                          <a:ea typeface="微软雅黑" panose="020B0503020204020204" pitchFamily="34" charset="-122"/>
-                          <a:cs typeface="+mn-cs"/>
-                        </a:rPr>
-                        <a:t>metasurface</a:t>
+                        <a:t>Arbitrary Electromagnetic Wave Manipulation with a Huygens’ metasurface</a:t>
                       </a:r>
                       <a:endParaRPr lang="zh-CN" altLang="en-US" sz="900" b="1" kern="1200" dirty="0">
                         <a:solidFill>
@@ -19012,7 +19167,7 @@
                 </a:tc>
                 <a:extLst>
                   <a:ext uri="{0D108BD9-81ED-4DB2-BD59-A6C34878D82A}">
-                    <a16:rowId xmlns:a16="http://schemas.microsoft.com/office/drawing/2014/main" xmlns="" val="10013"/>
+                    <a16:rowId xmlns="" xmlns:a16="http://schemas.microsoft.com/office/drawing/2014/main" val="10013"/>
                   </a:ext>
                 </a:extLst>
               </a:tr>
@@ -19306,21 +19461,21 @@
                 <a:gridCol w="2180823">
                   <a:extLst>
                     <a:ext uri="{9D8B030D-6E8A-4147-A177-3AD203B41FA5}">
-                      <a16:colId xmlns:a16="http://schemas.microsoft.com/office/drawing/2014/main" xmlns="" val="20000"/>
+                      <a16:colId xmlns="" xmlns:a16="http://schemas.microsoft.com/office/drawing/2014/main" val="20000"/>
                     </a:ext>
                   </a:extLst>
                 </a:gridCol>
                 <a:gridCol w="1940417">
                   <a:extLst>
                     <a:ext uri="{9D8B030D-6E8A-4147-A177-3AD203B41FA5}">
-                      <a16:colId xmlns:a16="http://schemas.microsoft.com/office/drawing/2014/main" xmlns="" val="20001"/>
+                      <a16:colId xmlns="" xmlns:a16="http://schemas.microsoft.com/office/drawing/2014/main" val="20001"/>
                     </a:ext>
                   </a:extLst>
                 </a:gridCol>
                 <a:gridCol w="4350688">
                   <a:extLst>
                     <a:ext uri="{9D8B030D-6E8A-4147-A177-3AD203B41FA5}">
-                      <a16:colId xmlns:a16="http://schemas.microsoft.com/office/drawing/2014/main" xmlns="" val="20002"/>
+                      <a16:colId xmlns="" xmlns:a16="http://schemas.microsoft.com/office/drawing/2014/main" val="20002"/>
                     </a:ext>
                   </a:extLst>
                 </a:gridCol>
@@ -19373,7 +19528,7 @@
                 </a:tc>
                 <a:extLst>
                   <a:ext uri="{0D108BD9-81ED-4DB2-BD59-A6C34878D82A}">
-                    <a16:rowId xmlns:a16="http://schemas.microsoft.com/office/drawing/2014/main" xmlns="" val="10000"/>
+                    <a16:rowId xmlns="" xmlns:a16="http://schemas.microsoft.com/office/drawing/2014/main" val="10000"/>
                   </a:ext>
                 </a:extLst>
               </a:tr>
@@ -19501,7 +19656,7 @@
                 </a:tc>
                 <a:extLst>
                   <a:ext uri="{0D108BD9-81ED-4DB2-BD59-A6C34878D82A}">
-                    <a16:rowId xmlns:a16="http://schemas.microsoft.com/office/drawing/2014/main" xmlns="" val="10001"/>
+                    <a16:rowId xmlns="" xmlns:a16="http://schemas.microsoft.com/office/drawing/2014/main" val="10001"/>
                   </a:ext>
                 </a:extLst>
               </a:tr>
@@ -19693,7 +19848,7 @@
                 </a:tc>
                 <a:extLst>
                   <a:ext uri="{0D108BD9-81ED-4DB2-BD59-A6C34878D82A}">
-                    <a16:rowId xmlns:a16="http://schemas.microsoft.com/office/drawing/2014/main" xmlns="" val="10002"/>
+                    <a16:rowId xmlns="" xmlns:a16="http://schemas.microsoft.com/office/drawing/2014/main" val="10002"/>
                   </a:ext>
                 </a:extLst>
               </a:tr>
@@ -19820,7 +19975,7 @@
                 </a:tc>
                 <a:extLst>
                   <a:ext uri="{0D108BD9-81ED-4DB2-BD59-A6C34878D82A}">
-                    <a16:rowId xmlns:a16="http://schemas.microsoft.com/office/drawing/2014/main" xmlns="" val="10003"/>
+                    <a16:rowId xmlns="" xmlns:a16="http://schemas.microsoft.com/office/drawing/2014/main" val="10003"/>
                   </a:ext>
                 </a:extLst>
               </a:tr>
@@ -19947,7 +20102,7 @@
                 </a:tc>
                 <a:extLst>
                   <a:ext uri="{0D108BD9-81ED-4DB2-BD59-A6C34878D82A}">
-                    <a16:rowId xmlns:a16="http://schemas.microsoft.com/office/drawing/2014/main" xmlns="" val="10004"/>
+                    <a16:rowId xmlns="" xmlns:a16="http://schemas.microsoft.com/office/drawing/2014/main" val="10004"/>
                   </a:ext>
                 </a:extLst>
               </a:tr>
@@ -20107,7 +20262,7 @@
                 </a:tc>
                 <a:extLst>
                   <a:ext uri="{0D108BD9-81ED-4DB2-BD59-A6C34878D82A}">
-                    <a16:rowId xmlns:a16="http://schemas.microsoft.com/office/drawing/2014/main" xmlns="" val="10005"/>
+                    <a16:rowId xmlns="" xmlns:a16="http://schemas.microsoft.com/office/drawing/2014/main" val="10005"/>
                   </a:ext>
                 </a:extLst>
               </a:tr>
@@ -20168,7 +20323,7 @@
                 </a:tc>
                 <a:extLst>
                   <a:ext uri="{0D108BD9-81ED-4DB2-BD59-A6C34878D82A}">
-                    <a16:rowId xmlns:a16="http://schemas.microsoft.com/office/drawing/2014/main" xmlns="" val="10006"/>
+                    <a16:rowId xmlns="" xmlns:a16="http://schemas.microsoft.com/office/drawing/2014/main" val="10006"/>
                   </a:ext>
                 </a:extLst>
               </a:tr>
@@ -20474,21 +20629,21 @@
                 <a:gridCol w="2180823">
                   <a:extLst>
                     <a:ext uri="{9D8B030D-6E8A-4147-A177-3AD203B41FA5}">
-                      <a16:colId xmlns:a16="http://schemas.microsoft.com/office/drawing/2014/main" xmlns="" val="20000"/>
+                      <a16:colId xmlns="" xmlns:a16="http://schemas.microsoft.com/office/drawing/2014/main" val="20000"/>
                     </a:ext>
                   </a:extLst>
                 </a:gridCol>
                 <a:gridCol w="1803043">
                   <a:extLst>
                     <a:ext uri="{9D8B030D-6E8A-4147-A177-3AD203B41FA5}">
-                      <a16:colId xmlns:a16="http://schemas.microsoft.com/office/drawing/2014/main" xmlns="" val="20001"/>
+                      <a16:colId xmlns="" xmlns:a16="http://schemas.microsoft.com/office/drawing/2014/main" val="20001"/>
                     </a:ext>
                   </a:extLst>
                 </a:gridCol>
                 <a:gridCol w="4488063">
                   <a:extLst>
                     <a:ext uri="{9D8B030D-6E8A-4147-A177-3AD203B41FA5}">
-                      <a16:colId xmlns:a16="http://schemas.microsoft.com/office/drawing/2014/main" xmlns="" val="20002"/>
+                      <a16:colId xmlns="" xmlns:a16="http://schemas.microsoft.com/office/drawing/2014/main" val="20002"/>
                     </a:ext>
                   </a:extLst>
                 </a:gridCol>
@@ -20541,7 +20696,7 @@
                 </a:tc>
                 <a:extLst>
                   <a:ext uri="{0D108BD9-81ED-4DB2-BD59-A6C34878D82A}">
-                    <a16:rowId xmlns:a16="http://schemas.microsoft.com/office/drawing/2014/main" xmlns="" val="10000"/>
+                    <a16:rowId xmlns="" xmlns:a16="http://schemas.microsoft.com/office/drawing/2014/main" val="10000"/>
                   </a:ext>
                 </a:extLst>
               </a:tr>
@@ -20657,7 +20812,7 @@
                 </a:tc>
                 <a:extLst>
                   <a:ext uri="{0D108BD9-81ED-4DB2-BD59-A6C34878D82A}">
-                    <a16:rowId xmlns:a16="http://schemas.microsoft.com/office/drawing/2014/main" xmlns="" val="10001"/>
+                    <a16:rowId xmlns="" xmlns:a16="http://schemas.microsoft.com/office/drawing/2014/main" val="10001"/>
                   </a:ext>
                 </a:extLst>
               </a:tr>
@@ -20843,7 +20998,7 @@
                 </a:tc>
                 <a:extLst>
                   <a:ext uri="{0D108BD9-81ED-4DB2-BD59-A6C34878D82A}">
-                    <a16:rowId xmlns:a16="http://schemas.microsoft.com/office/drawing/2014/main" xmlns="" val="10002"/>
+                    <a16:rowId xmlns="" xmlns:a16="http://schemas.microsoft.com/office/drawing/2014/main" val="10002"/>
                   </a:ext>
                 </a:extLst>
               </a:tr>
@@ -21025,7 +21180,7 @@
                 </a:tc>
                 <a:extLst>
                   <a:ext uri="{0D108BD9-81ED-4DB2-BD59-A6C34878D82A}">
-                    <a16:rowId xmlns:a16="http://schemas.microsoft.com/office/drawing/2014/main" xmlns="" val="10003"/>
+                    <a16:rowId xmlns="" xmlns:a16="http://schemas.microsoft.com/office/drawing/2014/main" val="10003"/>
                   </a:ext>
                 </a:extLst>
               </a:tr>
@@ -21181,7 +21336,7 @@
                 </a:tc>
                 <a:extLst>
                   <a:ext uri="{0D108BD9-81ED-4DB2-BD59-A6C34878D82A}">
-                    <a16:rowId xmlns:a16="http://schemas.microsoft.com/office/drawing/2014/main" xmlns="" val="10004"/>
+                    <a16:rowId xmlns="" xmlns:a16="http://schemas.microsoft.com/office/drawing/2014/main" val="10004"/>
                   </a:ext>
                 </a:extLst>
               </a:tr>
@@ -21305,7 +21460,7 @@
                 </a:tc>
                 <a:extLst>
                   <a:ext uri="{0D108BD9-81ED-4DB2-BD59-A6C34878D82A}">
-                    <a16:rowId xmlns:a16="http://schemas.microsoft.com/office/drawing/2014/main" xmlns="" val="10005"/>
+                    <a16:rowId xmlns="" xmlns:a16="http://schemas.microsoft.com/office/drawing/2014/main" val="10005"/>
                   </a:ext>
                 </a:extLst>
               </a:tr>
@@ -21469,7 +21624,7 @@
                 </a:tc>
                 <a:extLst>
                   <a:ext uri="{0D108BD9-81ED-4DB2-BD59-A6C34878D82A}">
-                    <a16:rowId xmlns:a16="http://schemas.microsoft.com/office/drawing/2014/main" xmlns="" val="10006"/>
+                    <a16:rowId xmlns="" xmlns:a16="http://schemas.microsoft.com/office/drawing/2014/main" val="10006"/>
                   </a:ext>
                 </a:extLst>
               </a:tr>
@@ -21629,7 +21784,7 @@
                 </a:tc>
                 <a:extLst>
                   <a:ext uri="{0D108BD9-81ED-4DB2-BD59-A6C34878D82A}">
-                    <a16:rowId xmlns:a16="http://schemas.microsoft.com/office/drawing/2014/main" xmlns="" val="10007"/>
+                    <a16:rowId xmlns="" xmlns:a16="http://schemas.microsoft.com/office/drawing/2014/main" val="10007"/>
                   </a:ext>
                 </a:extLst>
               </a:tr>
@@ -21685,7 +21840,7 @@
                 </a:tc>
                 <a:extLst>
                   <a:ext uri="{0D108BD9-81ED-4DB2-BD59-A6C34878D82A}">
-                    <a16:rowId xmlns:a16="http://schemas.microsoft.com/office/drawing/2014/main" xmlns="" val="10008"/>
+                    <a16:rowId xmlns="" xmlns:a16="http://schemas.microsoft.com/office/drawing/2014/main" val="10008"/>
                   </a:ext>
                 </a:extLst>
               </a:tr>
@@ -21849,7 +22004,7 @@
                 </a:tc>
                 <a:extLst>
                   <a:ext uri="{0D108BD9-81ED-4DB2-BD59-A6C34878D82A}">
-                    <a16:rowId xmlns:a16="http://schemas.microsoft.com/office/drawing/2014/main" xmlns="" val="10009"/>
+                    <a16:rowId xmlns="" xmlns:a16="http://schemas.microsoft.com/office/drawing/2014/main" val="10009"/>
                   </a:ext>
                 </a:extLst>
               </a:tr>
@@ -22035,7 +22190,7 @@
                 </a:tc>
                 <a:extLst>
                   <a:ext uri="{0D108BD9-81ED-4DB2-BD59-A6C34878D82A}">
-                    <a16:rowId xmlns:a16="http://schemas.microsoft.com/office/drawing/2014/main" xmlns="" val="10010"/>
+                    <a16:rowId xmlns="" xmlns:a16="http://schemas.microsoft.com/office/drawing/2014/main" val="10010"/>
                   </a:ext>
                 </a:extLst>
               </a:tr>
@@ -22192,7 +22347,7 @@
                 </a:tc>
                 <a:extLst>
                   <a:ext uri="{0D108BD9-81ED-4DB2-BD59-A6C34878D82A}">
-                    <a16:rowId xmlns:a16="http://schemas.microsoft.com/office/drawing/2014/main" xmlns="" val="10011"/>
+                    <a16:rowId xmlns="" xmlns:a16="http://schemas.microsoft.com/office/drawing/2014/main" val="10011"/>
                   </a:ext>
                 </a:extLst>
               </a:tr>
@@ -22389,6 +22544,13 @@
   <p:clrMapOvr>
     <a:masterClrMapping/>
   </p:clrMapOvr>
+  <p:timing>
+    <p:tnLst>
+      <p:par>
+        <p:cTn id="1" dur="indefinite" restart="never" nodeType="tmRoot"/>
+      </p:par>
+    </p:tnLst>
+  </p:timing>
 </p:sld>
 </file>
 
@@ -22491,21 +22653,21 @@
                 <a:gridCol w="2180823">
                   <a:extLst>
                     <a:ext uri="{9D8B030D-6E8A-4147-A177-3AD203B41FA5}">
-                      <a16:colId xmlns:a16="http://schemas.microsoft.com/office/drawing/2014/main" xmlns="" val="20000"/>
+                      <a16:colId xmlns="" xmlns:a16="http://schemas.microsoft.com/office/drawing/2014/main" val="20000"/>
                     </a:ext>
                   </a:extLst>
                 </a:gridCol>
                 <a:gridCol w="1803043">
                   <a:extLst>
                     <a:ext uri="{9D8B030D-6E8A-4147-A177-3AD203B41FA5}">
-                      <a16:colId xmlns:a16="http://schemas.microsoft.com/office/drawing/2014/main" xmlns="" val="20001"/>
+                      <a16:colId xmlns="" xmlns:a16="http://schemas.microsoft.com/office/drawing/2014/main" val="20001"/>
                     </a:ext>
                   </a:extLst>
                 </a:gridCol>
                 <a:gridCol w="4488063">
                   <a:extLst>
                     <a:ext uri="{9D8B030D-6E8A-4147-A177-3AD203B41FA5}">
-                      <a16:colId xmlns:a16="http://schemas.microsoft.com/office/drawing/2014/main" xmlns="" val="20002"/>
+                      <a16:colId xmlns="" xmlns:a16="http://schemas.microsoft.com/office/drawing/2014/main" val="20002"/>
                     </a:ext>
                   </a:extLst>
                 </a:gridCol>
@@ -22558,7 +22720,7 @@
                 </a:tc>
                 <a:extLst>
                   <a:ext uri="{0D108BD9-81ED-4DB2-BD59-A6C34878D82A}">
-                    <a16:rowId xmlns:a16="http://schemas.microsoft.com/office/drawing/2014/main" xmlns="" val="10000"/>
+                    <a16:rowId xmlns="" xmlns:a16="http://schemas.microsoft.com/office/drawing/2014/main" val="10000"/>
                   </a:ext>
                 </a:extLst>
               </a:tr>
@@ -22667,7 +22829,7 @@
                 </a:tc>
                 <a:extLst>
                   <a:ext uri="{0D108BD9-81ED-4DB2-BD59-A6C34878D82A}">
-                    <a16:rowId xmlns:a16="http://schemas.microsoft.com/office/drawing/2014/main" xmlns="" val="10001"/>
+                    <a16:rowId xmlns="" xmlns:a16="http://schemas.microsoft.com/office/drawing/2014/main" val="10001"/>
                   </a:ext>
                 </a:extLst>
               </a:tr>
@@ -22783,7 +22945,7 @@
                 </a:tc>
                 <a:extLst>
                   <a:ext uri="{0D108BD9-81ED-4DB2-BD59-A6C34878D82A}">
-                    <a16:rowId xmlns:a16="http://schemas.microsoft.com/office/drawing/2014/main" xmlns="" val="10002"/>
+                    <a16:rowId xmlns="" xmlns:a16="http://schemas.microsoft.com/office/drawing/2014/main" val="10002"/>
                   </a:ext>
                 </a:extLst>
               </a:tr>
@@ -22958,7 +23120,7 @@
                 </a:tc>
                 <a:extLst>
                   <a:ext uri="{0D108BD9-81ED-4DB2-BD59-A6C34878D82A}">
-                    <a16:rowId xmlns:a16="http://schemas.microsoft.com/office/drawing/2014/main" xmlns="" val="10003"/>
+                    <a16:rowId xmlns="" xmlns:a16="http://schemas.microsoft.com/office/drawing/2014/main" val="10003"/>
                   </a:ext>
                 </a:extLst>
               </a:tr>
@@ -23128,7 +23290,7 @@
                 </a:tc>
                 <a:extLst>
                   <a:ext uri="{0D108BD9-81ED-4DB2-BD59-A6C34878D82A}">
-                    <a16:rowId xmlns:a16="http://schemas.microsoft.com/office/drawing/2014/main" xmlns="" val="10004"/>
+                    <a16:rowId xmlns="" xmlns:a16="http://schemas.microsoft.com/office/drawing/2014/main" val="10004"/>
                   </a:ext>
                 </a:extLst>
               </a:tr>
@@ -23258,7 +23420,7 @@
                 </a:tc>
                 <a:extLst>
                   <a:ext uri="{0D108BD9-81ED-4DB2-BD59-A6C34878D82A}">
-                    <a16:rowId xmlns:a16="http://schemas.microsoft.com/office/drawing/2014/main" xmlns="" val="10005"/>
+                    <a16:rowId xmlns="" xmlns:a16="http://schemas.microsoft.com/office/drawing/2014/main" val="10005"/>
                   </a:ext>
                 </a:extLst>
               </a:tr>
@@ -23461,6 +23623,13 @@
   <p:clrMapOvr>
     <a:masterClrMapping/>
   </p:clrMapOvr>
+  <p:timing>
+    <p:tnLst>
+      <p:par>
+        <p:cTn id="1" dur="indefinite" restart="never" nodeType="tmRoot"/>
+      </p:par>
+    </p:tnLst>
+  </p:timing>
 </p:sld>
 </file>
 
@@ -23705,11 +23874,7 @@
           <a:p>
             <a:r>
               <a:rPr lang="en-US" altLang="zh-CN" dirty="0" smtClean="0"/>
-              <a:t>1</a:t>
-            </a:r>
-            <a:r>
-              <a:rPr lang="en-US" altLang="zh-CN" dirty="0" smtClean="0"/>
-              <a:t>.  6</a:t>
+              <a:t>1.  6</a:t>
             </a:r>
             <a:r>
               <a:rPr lang="zh-CN" altLang="en-US" dirty="0" smtClean="0"/>
@@ -23739,11 +23904,7 @@
           <a:p>
             <a:r>
               <a:rPr lang="en-US" altLang="zh-CN" dirty="0" smtClean="0"/>
-              <a:t>2</a:t>
-            </a:r>
-            <a:r>
-              <a:rPr lang="en-US" altLang="zh-CN" dirty="0" smtClean="0"/>
-              <a:t>.  6</a:t>
+              <a:t>2.  6</a:t>
             </a:r>
             <a:r>
               <a:rPr lang="zh-CN" altLang="en-US" dirty="0" smtClean="0"/>
@@ -23781,15 +23942,7 @@
           <a:p>
             <a:r>
               <a:rPr lang="zh-CN" altLang="en-US" dirty="0" smtClean="0"/>
-              <a:t>   </a:t>
-            </a:r>
-            <a:r>
-              <a:rPr lang="zh-CN" altLang="en-US" dirty="0" smtClean="0"/>
-              <a:t>    文</a:t>
-            </a:r>
-            <a:r>
-              <a:rPr lang="zh-CN" altLang="en-US" dirty="0" smtClean="0"/>
-              <a:t>航酒店地址：深圳市南山区西丽镇丽水路</a:t>
+              <a:t>       文航酒店地址：深圳市南山区西丽镇丽水路</a:t>
             </a:r>
             <a:r>
               <a:rPr lang="en-US" dirty="0" smtClean="0"/>
@@ -23803,15 +23956,7 @@
           <a:p>
             <a:r>
               <a:rPr lang="zh-CN" altLang="en-US" dirty="0" smtClean="0"/>
-              <a:t>   </a:t>
-            </a:r>
-            <a:r>
-              <a:rPr lang="zh-CN" altLang="en-US" dirty="0" smtClean="0"/>
-              <a:t>    雅</a:t>
-            </a:r>
-            <a:r>
-              <a:rPr lang="zh-CN" altLang="en-US" dirty="0" smtClean="0"/>
-              <a:t>园塘朗酒店地址：深圳市南山区学苑大道田寮大厦</a:t>
+              <a:t>       雅园塘朗酒店地址：深圳市南山区学苑大道田寮大厦</a:t>
             </a:r>
             <a:r>
               <a:rPr lang="en-US" dirty="0" smtClean="0"/>
@@ -23826,11 +23971,7 @@
           <a:p>
             <a:r>
               <a:rPr lang="zh-CN" altLang="en-US" dirty="0" smtClean="0"/>
-              <a:t>   </a:t>
-            </a:r>
-            <a:r>
-              <a:rPr lang="zh-CN" altLang="en-US" dirty="0" smtClean="0"/>
-              <a:t>    维也纳</a:t>
+              <a:t>       维也纳</a:t>
             </a:r>
             <a:r>
               <a:rPr lang="en-US" dirty="0" smtClean="0"/>
@@ -23856,19 +23997,11 @@
           <a:p>
             <a:r>
               <a:rPr lang="en-US" altLang="zh-CN" dirty="0" smtClean="0"/>
-              <a:t>3</a:t>
-            </a:r>
-            <a:r>
-              <a:rPr lang="en-US" altLang="zh-CN" dirty="0" smtClean="0"/>
-              <a:t>. </a:t>
+              <a:t>3. </a:t>
             </a:r>
             <a:r>
               <a:rPr lang="zh-CN" altLang="en-US" dirty="0" smtClean="0"/>
-              <a:t>用餐</a:t>
-            </a:r>
-            <a:r>
-              <a:rPr lang="zh-CN" altLang="en-US" dirty="0" smtClean="0"/>
-              <a:t>安排：</a:t>
+              <a:t>用餐安排：</a:t>
             </a:r>
             <a:endParaRPr lang="en-US" altLang="zh-CN" dirty="0" smtClean="0"/>
           </a:p>
@@ -24010,6 +24143,13 @@
   <p:clrMapOvr>
     <a:masterClrMapping/>
   </p:clrMapOvr>
+  <p:timing>
+    <p:tnLst>
+      <p:par>
+        <p:cTn id="1" dur="indefinite" restart="never" nodeType="tmRoot"/>
+      </p:par>
+    </p:tnLst>
+  </p:timing>
 </p:sld>
 </file>
 
@@ -24032,62 +24172,306 @@
       </p:grpSpPr>
       <p:sp>
         <p:nvSpPr>
-          <p:cNvPr id="2" name="Content Placeholder 1"/>
-          <p:cNvSpPr>
-            <a:spLocks noGrp="1"/>
-          </p:cNvSpPr>
-          <p:nvPr>
-            <p:ph idx="1"/>
-          </p:nvPr>
+          <p:cNvPr id="12" name="矩形 11"/>
+          <p:cNvSpPr/>
+          <p:nvPr/>
         </p:nvSpPr>
-        <p:spPr/>
+        <p:spPr>
+          <a:xfrm>
+            <a:off x="0" y="428604"/>
+            <a:ext cx="9144000" cy="5908677"/>
+          </a:xfrm>
+          <a:prstGeom prst="rect">
+            <a:avLst/>
+          </a:prstGeom>
+          <a:gradFill>
+            <a:gsLst>
+              <a:gs pos="28000">
+                <a:schemeClr val="bg1"/>
+              </a:gs>
+              <a:gs pos="0">
+                <a:schemeClr val="accent1">
+                  <a:lumMod val="5000"/>
+                  <a:lumOff val="95000"/>
+                </a:schemeClr>
+              </a:gs>
+              <a:gs pos="100000">
+                <a:srgbClr val="8FB2EF"/>
+              </a:gs>
+            </a:gsLst>
+            <a:lin ang="5400000" scaled="1"/>
+          </a:gradFill>
+          <a:ln>
+            <a:noFill/>
+          </a:ln>
+        </p:spPr>
+        <p:style>
+          <a:lnRef idx="2">
+            <a:schemeClr val="accent1">
+              <a:shade val="50000"/>
+            </a:schemeClr>
+          </a:lnRef>
+          <a:fillRef idx="1">
+            <a:schemeClr val="accent1"/>
+          </a:fillRef>
+          <a:effectRef idx="0">
+            <a:schemeClr val="accent1"/>
+          </a:effectRef>
+          <a:fontRef idx="minor">
+            <a:schemeClr val="lt1"/>
+          </a:fontRef>
+        </p:style>
         <p:txBody>
-          <a:bodyPr/>
+          <a:bodyPr rtlCol="0" anchor="ctr"/>
           <a:lstStyle/>
           <a:p>
-            <a:r>
-              <a:rPr lang="en-HK" dirty="0" smtClean="0"/>
-              <a:t>Update participant list (include the journalists)</a:t>
-            </a:r>
-          </a:p>
-          <a:p>
-            <a:r>
-              <a:rPr lang="en-HK" dirty="0" smtClean="0"/>
-              <a:t>Add a “supporting journal”: Advanced photonics</a:t>
-            </a:r>
-            <a:endParaRPr lang="en-HK" dirty="0"/>
+            <a:pPr algn="ctr"/>
+            <a:endParaRPr lang="zh-CN" altLang="en-US" sz="1500"/>
           </a:p>
         </p:txBody>
       </p:sp>
       <p:sp>
         <p:nvSpPr>
-          <p:cNvPr id="3" name="Title 2"/>
-          <p:cNvSpPr>
-            <a:spLocks noGrp="1"/>
-          </p:cNvSpPr>
-          <p:nvPr>
-            <p:ph type="title"/>
-          </p:nvPr>
+          <p:cNvPr id="13" name="文本框 12"/>
+          <p:cNvSpPr txBox="1"/>
+          <p:nvPr/>
         </p:nvSpPr>
-        <p:spPr/>
+        <p:spPr>
+          <a:xfrm>
+            <a:off x="222249" y="142852"/>
+            <a:ext cx="8921751" cy="1569660"/>
+          </a:xfrm>
+          <a:prstGeom prst="rect">
+            <a:avLst/>
+          </a:prstGeom>
+          <a:solidFill>
+            <a:srgbClr val="215CC1"/>
+          </a:solidFill>
+        </p:spPr>
         <p:txBody>
-          <a:bodyPr/>
+          <a:bodyPr wrap="square" rtlCol="0">
+            <a:spAutoFit/>
+          </a:bodyPr>
           <a:lstStyle/>
           <a:p>
-            <a:endParaRPr lang="en-HK"/>
+            <a:r>
+              <a:rPr lang="en-US" altLang="zh-CN" sz="2175" b="1" dirty="0" smtClean="0">
+                <a:solidFill>
+                  <a:schemeClr val="bg1"/>
+                </a:solidFill>
+                <a:latin typeface="华文行楷" panose="02010800040101010101" pitchFamily="2" charset="-122"/>
+                <a:ea typeface="华文行楷" panose="02010800040101010101" pitchFamily="2" charset="-122"/>
+              </a:rPr>
+              <a:t>2018 </a:t>
+            </a:r>
+            <a:r>
+              <a:rPr lang="zh-CN" altLang="en-US" sz="2175" b="1" dirty="0" smtClean="0">
+                <a:solidFill>
+                  <a:schemeClr val="bg1"/>
+                </a:solidFill>
+                <a:latin typeface="华文行楷" panose="02010800040101010101" pitchFamily="2" charset="-122"/>
+                <a:ea typeface="华文行楷" panose="02010800040101010101" pitchFamily="2" charset="-122"/>
+              </a:rPr>
+              <a:t>南方科技大学</a:t>
+            </a:r>
+            <a:r>
+              <a:rPr lang="zh-CN" altLang="en-US" sz="2400" b="1" dirty="0" smtClean="0">
+                <a:ln w="10160">
+                  <a:solidFill>
+                    <a:schemeClr val="accent1">
+                      <a:lumMod val="60000"/>
+                      <a:lumOff val="40000"/>
+                    </a:schemeClr>
+                  </a:solidFill>
+                  <a:prstDash val="solid"/>
+                </a:ln>
+                <a:solidFill>
+                  <a:schemeClr val="bg1"/>
+                </a:solidFill>
+                <a:effectLst>
+                  <a:outerShdw blurRad="38100" dist="22860" dir="5400000" algn="tl" rotWithShape="0">
+                    <a:srgbClr val="000000">
+                      <a:alpha val="30000"/>
+                    </a:srgbClr>
+                  </a:outerShdw>
+                </a:effectLst>
+                <a:latin typeface="楷体" panose="02010609060101010101" pitchFamily="49" charset="-122"/>
+                <a:ea typeface="楷体" panose="02010609060101010101" pitchFamily="49" charset="-122"/>
+                <a:sym typeface="+mn-ea"/>
+              </a:rPr>
+              <a:t>“</a:t>
+            </a:r>
+            <a:r>
+              <a:rPr lang="zh-CN" altLang="en-US" sz="2175" b="1" dirty="0" smtClean="0">
+                <a:solidFill>
+                  <a:schemeClr val="bg1"/>
+                </a:solidFill>
+                <a:latin typeface="华文行楷" panose="02010800040101010101" pitchFamily="2" charset="-122"/>
+                <a:ea typeface="华文行楷" panose="02010800040101010101" pitchFamily="2" charset="-122"/>
+                <a:sym typeface="+mn-ea"/>
+              </a:rPr>
+              <a:t>大湾区超构材料与微纳光学”专题研讨会</a:t>
+            </a:r>
+            <a:endParaRPr lang="en-US" altLang="zh-CN" sz="2175" b="1" dirty="0" smtClean="0">
+              <a:solidFill>
+                <a:schemeClr val="bg1"/>
+              </a:solidFill>
+              <a:latin typeface="华文行楷" panose="02010800040101010101" pitchFamily="2" charset="-122"/>
+              <a:ea typeface="华文行楷" panose="02010800040101010101" pitchFamily="2" charset="-122"/>
+              <a:sym typeface="+mn-ea"/>
+            </a:endParaRPr>
+          </a:p>
+          <a:p>
+            <a:r>
+              <a:rPr lang="en-US" sz="2400" b="1" dirty="0" smtClean="0"/>
+              <a:t>Advanced Photonics Conference:  Greater Bay Area Symposium for Wave Functional Materials  </a:t>
+            </a:r>
+            <a:endParaRPr lang="zh-CN" altLang="zh-CN" sz="2175" b="1" dirty="0" smtClean="0">
+              <a:solidFill>
+                <a:schemeClr val="bg1"/>
+              </a:solidFill>
+              <a:ea typeface="华文行楷" panose="02010800040101010101" pitchFamily="2" charset="-122"/>
+            </a:endParaRPr>
+          </a:p>
+          <a:p>
+            <a:r>
+              <a:rPr lang="en-US" sz="2400" b="1" dirty="0" smtClean="0"/>
+              <a:t> </a:t>
+            </a:r>
+            <a:endParaRPr lang="zh-CN" altLang="zh-CN" sz="2175" b="1" dirty="0">
+              <a:solidFill>
+                <a:schemeClr val="bg1"/>
+              </a:solidFill>
+              <a:ea typeface="华文行楷" panose="02010800040101010101" pitchFamily="2" charset="-122"/>
+            </a:endParaRPr>
+          </a:p>
+        </p:txBody>
+      </p:sp>
+      <p:sp>
+        <p:nvSpPr>
+          <p:cNvPr id="6" name="TextBox 5"/>
+          <p:cNvSpPr txBox="1"/>
+          <p:nvPr/>
+        </p:nvSpPr>
+        <p:spPr>
+          <a:xfrm>
+            <a:off x="1223628" y="2708920"/>
+            <a:ext cx="6696744" cy="1477328"/>
+          </a:xfrm>
+          <a:prstGeom prst="rect">
+            <a:avLst/>
+          </a:prstGeom>
+          <a:gradFill flip="none" rotWithShape="1">
+            <a:gsLst>
+              <a:gs pos="0">
+                <a:schemeClr val="accent1">
+                  <a:tint val="66000"/>
+                  <a:satMod val="160000"/>
+                </a:schemeClr>
+              </a:gs>
+              <a:gs pos="50000">
+                <a:schemeClr val="accent1">
+                  <a:tint val="44500"/>
+                  <a:satMod val="160000"/>
+                </a:schemeClr>
+              </a:gs>
+              <a:gs pos="100000">
+                <a:schemeClr val="accent1">
+                  <a:tint val="23500"/>
+                  <a:satMod val="160000"/>
+                </a:schemeClr>
+              </a:gs>
+            </a:gsLst>
+            <a:lin ang="5400000" scaled="1"/>
+            <a:tileRect/>
+          </a:gradFill>
+        </p:spPr>
+        <p:txBody>
+          <a:bodyPr wrap="square" rtlCol="0">
+            <a:spAutoFit/>
+          </a:bodyPr>
+          <a:lstStyle/>
+          <a:p>
+            <a:r>
+              <a:rPr lang="zh-CN" altLang="en-US" dirty="0" smtClean="0"/>
+              <a:t>推荐参会者选择如下酒店：</a:t>
+            </a:r>
+            <a:endParaRPr lang="en-US" altLang="zh-CN" dirty="0" smtClean="0"/>
+          </a:p>
+          <a:p>
+            <a:endParaRPr lang="en-US" altLang="zh-CN" dirty="0" smtClean="0"/>
+          </a:p>
+          <a:p>
+            <a:r>
+              <a:rPr lang="zh-CN" altLang="en-US" dirty="0" smtClean="0"/>
+              <a:t>       文航酒店地址：深圳市南山区西丽镇丽水路</a:t>
+            </a:r>
+            <a:r>
+              <a:rPr lang="en-US" dirty="0" smtClean="0"/>
+              <a:t>1128</a:t>
+            </a:r>
+            <a:r>
+              <a:rPr lang="zh-CN" altLang="en-US" dirty="0" smtClean="0"/>
+              <a:t>号</a:t>
+            </a:r>
+          </a:p>
+          <a:p>
+            <a:r>
+              <a:rPr lang="zh-CN" altLang="en-US" dirty="0" smtClean="0"/>
+              <a:t>       雅园塘朗酒店地址：深圳市南山区学苑大道田寮大厦</a:t>
+            </a:r>
+            <a:r>
+              <a:rPr lang="en-US" dirty="0" smtClean="0"/>
+              <a:t>1</a:t>
+            </a:r>
+            <a:r>
+              <a:rPr lang="zh-CN" altLang="en-US" dirty="0" smtClean="0"/>
+              <a:t>楼</a:t>
+            </a:r>
+            <a:endParaRPr lang="en-US" altLang="zh-CN" dirty="0" smtClean="0"/>
+          </a:p>
+          <a:p>
+            <a:r>
+              <a:rPr lang="zh-CN" altLang="en-US" dirty="0" smtClean="0"/>
+              <a:t>       维也纳</a:t>
+            </a:r>
+            <a:r>
+              <a:rPr lang="en-US" dirty="0" smtClean="0"/>
+              <a:t>3</a:t>
+            </a:r>
+            <a:r>
+              <a:rPr lang="zh-CN" altLang="en-US" dirty="0" smtClean="0"/>
+              <a:t>好酒店地址：深圳市南山区西丽街道学苑大道</a:t>
+            </a:r>
+            <a:r>
+              <a:rPr lang="en-US" dirty="0" smtClean="0"/>
+              <a:t>1153</a:t>
+            </a:r>
+            <a:r>
+              <a:rPr lang="zh-CN" altLang="en-US" dirty="0" smtClean="0"/>
+              <a:t>号</a:t>
+            </a:r>
+            <a:endParaRPr lang="en-US" altLang="zh-CN" dirty="0" smtClean="0"/>
           </a:p>
         </p:txBody>
       </p:sp>
     </p:spTree>
     <p:extLst>
       <p:ext uri="{BB962C8B-B14F-4D97-AF65-F5344CB8AC3E}">
-        <p14:creationId xmlns:p14="http://schemas.microsoft.com/office/powerpoint/2010/main" val="3064686646"/>
+        <p14:creationId xmlns:p14="http://schemas.microsoft.com/office/powerpoint/2010/main" val="1901865768"/>
       </p:ext>
     </p:extLst>
   </p:cSld>
   <p:clrMapOvr>
     <a:masterClrMapping/>
   </p:clrMapOvr>
+  <p:timing>
+    <p:tnLst>
+      <p:par>
+        <p:cTn id="1" dur="indefinite" restart="never" nodeType="tmRoot"/>
+      </p:par>
+    </p:tnLst>
+  </p:timing>
 </p:sld>
 </file>
 
